--- a/docs/diagrams/FindSequenceDiagram.pptx
+++ b/docs/diagrams/FindSequenceDiagram.pptx
@@ -212,7 +212,7 @@
           <a:p>
             <a:fld id="{F5CC4B3F-88C1-4FFA-B1B6-F41C21DC6924}" type="datetimeFigureOut">
               <a:rPr lang="en-US" smtClean="0"/>
-              <a:t>11/4/2017</a:t>
+              <a:t>11/12/2017</a:t>
             </a:fld>
             <a:endParaRPr lang="en-US"/>
           </a:p>
@@ -658,7 +658,7 @@
           <a:p>
             <a:fld id="{78C97017-6FC3-485B-9764-EAC9E56C1D49}" type="datetimeFigureOut">
               <a:rPr lang="en-US" smtClean="0"/>
-              <a:t>11/4/2017</a:t>
+              <a:t>11/12/2017</a:t>
             </a:fld>
             <a:endParaRPr lang="en-US"/>
           </a:p>
@@ -826,7 +826,7 @@
           <a:p>
             <a:fld id="{78C97017-6FC3-485B-9764-EAC9E56C1D49}" type="datetimeFigureOut">
               <a:rPr lang="en-US" smtClean="0"/>
-              <a:t>11/4/2017</a:t>
+              <a:t>11/12/2017</a:t>
             </a:fld>
             <a:endParaRPr lang="en-US"/>
           </a:p>
@@ -1004,7 +1004,7 @@
           <a:p>
             <a:fld id="{78C97017-6FC3-485B-9764-EAC9E56C1D49}" type="datetimeFigureOut">
               <a:rPr lang="en-US" smtClean="0"/>
-              <a:t>11/4/2017</a:t>
+              <a:t>11/12/2017</a:t>
             </a:fld>
             <a:endParaRPr lang="en-US"/>
           </a:p>
@@ -1172,7 +1172,7 @@
           <a:p>
             <a:fld id="{78C97017-6FC3-485B-9764-EAC9E56C1D49}" type="datetimeFigureOut">
               <a:rPr lang="en-US" smtClean="0"/>
-              <a:t>11/4/2017</a:t>
+              <a:t>11/12/2017</a:t>
             </a:fld>
             <a:endParaRPr lang="en-US"/>
           </a:p>
@@ -1417,7 +1417,7 @@
           <a:p>
             <a:fld id="{78C97017-6FC3-485B-9764-EAC9E56C1D49}" type="datetimeFigureOut">
               <a:rPr lang="en-US" smtClean="0"/>
-              <a:t>11/4/2017</a:t>
+              <a:t>11/12/2017</a:t>
             </a:fld>
             <a:endParaRPr lang="en-US"/>
           </a:p>
@@ -1702,7 +1702,7 @@
           <a:p>
             <a:fld id="{78C97017-6FC3-485B-9764-EAC9E56C1D49}" type="datetimeFigureOut">
               <a:rPr lang="en-US" smtClean="0"/>
-              <a:t>11/4/2017</a:t>
+              <a:t>11/12/2017</a:t>
             </a:fld>
             <a:endParaRPr lang="en-US"/>
           </a:p>
@@ -2121,7 +2121,7 @@
           <a:p>
             <a:fld id="{78C97017-6FC3-485B-9764-EAC9E56C1D49}" type="datetimeFigureOut">
               <a:rPr lang="en-US" smtClean="0"/>
-              <a:t>11/4/2017</a:t>
+              <a:t>11/12/2017</a:t>
             </a:fld>
             <a:endParaRPr lang="en-US"/>
           </a:p>
@@ -2238,7 +2238,7 @@
           <a:p>
             <a:fld id="{78C97017-6FC3-485B-9764-EAC9E56C1D49}" type="datetimeFigureOut">
               <a:rPr lang="en-US" smtClean="0"/>
-              <a:t>11/4/2017</a:t>
+              <a:t>11/12/2017</a:t>
             </a:fld>
             <a:endParaRPr lang="en-US"/>
           </a:p>
@@ -2333,7 +2333,7 @@
           <a:p>
             <a:fld id="{78C97017-6FC3-485B-9764-EAC9E56C1D49}" type="datetimeFigureOut">
               <a:rPr lang="en-US" smtClean="0"/>
-              <a:t>11/4/2017</a:t>
+              <a:t>11/12/2017</a:t>
             </a:fld>
             <a:endParaRPr lang="en-US"/>
           </a:p>
@@ -2608,7 +2608,7 @@
           <a:p>
             <a:fld id="{78C97017-6FC3-485B-9764-EAC9E56C1D49}" type="datetimeFigureOut">
               <a:rPr lang="en-US" smtClean="0"/>
-              <a:t>11/4/2017</a:t>
+              <a:t>11/12/2017</a:t>
             </a:fld>
             <a:endParaRPr lang="en-US"/>
           </a:p>
@@ -2860,7 +2860,7 @@
           <a:p>
             <a:fld id="{78C97017-6FC3-485B-9764-EAC9E56C1D49}" type="datetimeFigureOut">
               <a:rPr lang="en-US" smtClean="0"/>
-              <a:t>11/4/2017</a:t>
+              <a:t>11/12/2017</a:t>
             </a:fld>
             <a:endParaRPr lang="en-US"/>
           </a:p>
@@ -3071,7 +3071,7 @@
           <a:p>
             <a:fld id="{78C97017-6FC3-485B-9764-EAC9E56C1D49}" type="datetimeFigureOut">
               <a:rPr lang="en-US" smtClean="0"/>
-              <a:t>11/4/2017</a:t>
+              <a:t>11/12/2017</a:t>
             </a:fld>
             <a:endParaRPr lang="en-US"/>
           </a:p>
@@ -3454,8 +3454,8 @@
         </p:nvSpPr>
         <p:spPr>
           <a:xfrm>
-            <a:off x="876299" y="381011"/>
-            <a:ext cx="7658101" cy="9819470"/>
+            <a:off x="876299" y="142081"/>
+            <a:ext cx="7658101" cy="10515598"/>
           </a:xfrm>
           <a:prstGeom prst="roundRect">
             <a:avLst>
@@ -3515,7 +3515,7 @@
         </p:nvSpPr>
         <p:spPr>
           <a:xfrm>
-            <a:off x="1035545" y="696347"/>
+            <a:off x="1035545" y="457418"/>
             <a:ext cx="1455629" cy="346760"/>
           </a:xfrm>
           <a:prstGeom prst="rect">
@@ -3584,7 +3584,7 @@
         </p:nvCxnSpPr>
         <p:spPr>
           <a:xfrm>
-            <a:off x="1763347" y="1060030"/>
+            <a:off x="1763347" y="821101"/>
             <a:ext cx="0" cy="4273983"/>
           </a:xfrm>
           <a:prstGeom prst="line">
@@ -3621,7 +3621,7 @@
         </p:nvSpPr>
         <p:spPr>
           <a:xfrm>
-            <a:off x="1691349" y="1410723"/>
+            <a:off x="1691349" y="1171794"/>
             <a:ext cx="166117" cy="3542289"/>
           </a:xfrm>
           <a:prstGeom prst="rect">
@@ -3668,7 +3668,7 @@
         </p:nvSpPr>
         <p:spPr>
           <a:xfrm>
-            <a:off x="2666988" y="575423"/>
+            <a:off x="2666988" y="336494"/>
             <a:ext cx="1219200" cy="467684"/>
           </a:xfrm>
           <a:prstGeom prst="rect">
@@ -3740,7 +3740,7 @@
         </p:nvCxnSpPr>
         <p:spPr>
           <a:xfrm>
-            <a:off x="3280387" y="1060031"/>
+            <a:off x="3280387" y="821102"/>
             <a:ext cx="0" cy="3969183"/>
           </a:xfrm>
           <a:prstGeom prst="line">
@@ -3777,7 +3777,7 @@
         </p:nvSpPr>
         <p:spPr>
           <a:xfrm>
-            <a:off x="3208393" y="1518218"/>
+            <a:off x="3208393" y="1279289"/>
             <a:ext cx="157813" cy="2436507"/>
           </a:xfrm>
           <a:prstGeom prst="rect">
@@ -3824,7 +3824,7 @@
         </p:nvCxnSpPr>
         <p:spPr>
           <a:xfrm>
-            <a:off x="571500" y="1414399"/>
+            <a:off x="571500" y="1175470"/>
             <a:ext cx="1119851" cy="0"/>
           </a:xfrm>
           <a:prstGeom prst="straightConnector1">
@@ -3860,7 +3860,7 @@
         </p:nvSpPr>
         <p:spPr>
           <a:xfrm>
-            <a:off x="-76200" y="1143000"/>
+            <a:off x="-76200" y="904071"/>
             <a:ext cx="1828788" cy="215444"/>
           </a:xfrm>
           <a:prstGeom prst="rect">
@@ -3896,7 +3896,7 @@
         </p:nvCxnSpPr>
         <p:spPr>
           <a:xfrm>
-            <a:off x="3332048" y="2434216"/>
+            <a:off x="3332048" y="2195287"/>
             <a:ext cx="1459577" cy="4197"/>
           </a:xfrm>
           <a:prstGeom prst="straightConnector1">
@@ -3932,7 +3932,7 @@
         </p:nvCxnSpPr>
         <p:spPr>
           <a:xfrm>
-            <a:off x="3352799" y="2057400"/>
+            <a:off x="3352799" y="1818471"/>
             <a:ext cx="1492975" cy="0"/>
           </a:xfrm>
           <a:prstGeom prst="straightConnector1">
@@ -3972,7 +3972,7 @@
         </p:nvCxnSpPr>
         <p:spPr>
           <a:xfrm>
-            <a:off x="1843751" y="3962411"/>
+            <a:off x="1843751" y="3723482"/>
             <a:ext cx="1364641" cy="1"/>
           </a:xfrm>
           <a:prstGeom prst="straightConnector1">
@@ -4010,7 +4010,7 @@
         </p:nvCxnSpPr>
         <p:spPr>
           <a:xfrm>
-            <a:off x="533398" y="4953000"/>
+            <a:off x="533398" y="4714071"/>
             <a:ext cx="1196051" cy="0"/>
           </a:xfrm>
           <a:prstGeom prst="straightConnector1">
@@ -4048,7 +4048,7 @@
         </p:nvSpPr>
         <p:spPr>
           <a:xfrm>
-            <a:off x="1916492" y="1084982"/>
+            <a:off x="1916492" y="846053"/>
             <a:ext cx="1209728" cy="430887"/>
           </a:xfrm>
           <a:prstGeom prst="rect">
@@ -4088,7 +4088,7 @@
         </p:nvSpPr>
         <p:spPr>
           <a:xfrm>
-            <a:off x="609588" y="4737557"/>
+            <a:off x="609588" y="4498628"/>
             <a:ext cx="762000" cy="215444"/>
           </a:xfrm>
           <a:prstGeom prst="rect">
@@ -4128,7 +4128,7 @@
         </p:nvSpPr>
         <p:spPr>
           <a:xfrm>
-            <a:off x="2479407" y="3744601"/>
+            <a:off x="2479407" y="3505672"/>
             <a:ext cx="220343" cy="215444"/>
           </a:xfrm>
           <a:prstGeom prst="rect">
@@ -4170,7 +4170,7 @@
         </p:nvCxnSpPr>
         <p:spPr>
           <a:xfrm>
-            <a:off x="6172188" y="2637065"/>
+            <a:off x="6172188" y="2398136"/>
             <a:ext cx="0" cy="500292"/>
           </a:xfrm>
           <a:prstGeom prst="line">
@@ -4207,7 +4207,7 @@
         </p:nvSpPr>
         <p:spPr>
           <a:xfrm>
-            <a:off x="4762352" y="3953099"/>
+            <a:off x="4762352" y="3714170"/>
             <a:ext cx="277640" cy="307777"/>
           </a:xfrm>
           <a:prstGeom prst="rect">
@@ -4243,7 +4243,7 @@
         </p:nvCxnSpPr>
         <p:spPr>
           <a:xfrm>
-            <a:off x="4893835" y="1913407"/>
+            <a:off x="4893835" y="1674478"/>
             <a:ext cx="7347" cy="2184907"/>
           </a:xfrm>
           <a:prstGeom prst="line">
@@ -4280,7 +4280,7 @@
         </p:nvSpPr>
         <p:spPr>
           <a:xfrm>
-            <a:off x="4791613" y="1913403"/>
+            <a:off x="4791613" y="1674474"/>
             <a:ext cx="204428" cy="144007"/>
           </a:xfrm>
           <a:prstGeom prst="rect">
@@ -4327,7 +4327,7 @@
         </p:nvSpPr>
         <p:spPr>
           <a:xfrm>
-            <a:off x="4038588" y="1447810"/>
+            <a:off x="4038588" y="1208881"/>
             <a:ext cx="1591224" cy="461539"/>
           </a:xfrm>
           <a:prstGeom prst="rect">
@@ -4409,7 +4409,7 @@
         </p:nvCxnSpPr>
         <p:spPr>
           <a:xfrm flipV="1">
-            <a:off x="1860645" y="1515866"/>
+            <a:off x="1860645" y="1276937"/>
             <a:ext cx="1347747" cy="463"/>
           </a:xfrm>
           <a:prstGeom prst="straightConnector1">
@@ -4451,7 +4451,7 @@
         </p:nvSpPr>
         <p:spPr>
           <a:xfrm>
-            <a:off x="3448379" y="2205606"/>
+            <a:off x="3448379" y="1966677"/>
             <a:ext cx="1247488" cy="215444"/>
           </a:xfrm>
           <a:prstGeom prst="rect">
@@ -4499,7 +4499,7 @@
         </p:nvCxnSpPr>
         <p:spPr>
           <a:xfrm>
-            <a:off x="3267419" y="1600200"/>
+            <a:off x="3267419" y="1361271"/>
             <a:ext cx="771183" cy="0"/>
           </a:xfrm>
           <a:prstGeom prst="straightConnector1">
@@ -4541,7 +4541,7 @@
         </p:nvSpPr>
         <p:spPr>
           <a:xfrm>
-            <a:off x="4800601" y="2421060"/>
+            <a:off x="4800601" y="2182131"/>
             <a:ext cx="195451" cy="1463015"/>
           </a:xfrm>
           <a:prstGeom prst="rect">
@@ -4594,7 +4594,7 @@
         </p:nvSpPr>
         <p:spPr>
           <a:xfrm>
-            <a:off x="6069789" y="2572266"/>
+            <a:off x="6069789" y="2333337"/>
             <a:ext cx="204219" cy="323345"/>
           </a:xfrm>
           <a:prstGeom prst="rect">
@@ -4641,7 +4641,7 @@
         </p:nvSpPr>
         <p:spPr>
           <a:xfrm>
-            <a:off x="5410188" y="2234977"/>
+            <a:off x="5410188" y="1996048"/>
             <a:ext cx="1600200" cy="432035"/>
           </a:xfrm>
           <a:prstGeom prst="rect">
@@ -4719,7 +4719,7 @@
         </p:nvCxnSpPr>
         <p:spPr>
           <a:xfrm>
-            <a:off x="4991102" y="2518797"/>
+            <a:off x="4991102" y="2279868"/>
             <a:ext cx="419099" cy="0"/>
           </a:xfrm>
           <a:prstGeom prst="straightConnector1">
@@ -4763,7 +4763,7 @@
         </p:nvCxnSpPr>
         <p:spPr>
           <a:xfrm flipV="1">
-            <a:off x="4953001" y="2895611"/>
+            <a:off x="4953001" y="2656682"/>
             <a:ext cx="1192991" cy="1"/>
           </a:xfrm>
           <a:prstGeom prst="straightConnector1">
@@ -4807,7 +4807,7 @@
         </p:nvSpPr>
         <p:spPr>
           <a:xfrm flipH="1">
-            <a:off x="5282184" y="2667793"/>
+            <a:off x="5282184" y="2428864"/>
             <a:ext cx="356617" cy="215444"/>
           </a:xfrm>
           <a:prstGeom prst="rect">
@@ -4856,7 +4856,7 @@
         </p:nvCxnSpPr>
         <p:spPr>
           <a:xfrm>
-            <a:off x="7107528" y="3518835"/>
+            <a:off x="7107528" y="3279906"/>
             <a:ext cx="0" cy="1586577"/>
           </a:xfrm>
           <a:prstGeom prst="line">
@@ -4899,7 +4899,7 @@
         </p:nvSpPr>
         <p:spPr>
           <a:xfrm>
-            <a:off x="7010388" y="3518836"/>
+            <a:off x="7010388" y="3279907"/>
             <a:ext cx="194280" cy="212621"/>
           </a:xfrm>
           <a:prstGeom prst="rect">
@@ -4952,7 +4952,7 @@
         </p:nvSpPr>
         <p:spPr>
           <a:xfrm>
-            <a:off x="6553189" y="3053239"/>
+            <a:off x="6553189" y="2814310"/>
             <a:ext cx="1057824" cy="461539"/>
           </a:xfrm>
           <a:prstGeom prst="rect">
@@ -5034,7 +5034,7 @@
         </p:nvCxnSpPr>
         <p:spPr>
           <a:xfrm>
-            <a:off x="4991102" y="3352800"/>
+            <a:off x="4991102" y="3113871"/>
             <a:ext cx="1562099" cy="0"/>
           </a:xfrm>
           <a:prstGeom prst="straightConnector1">
@@ -5076,7 +5076,7 @@
         </p:nvSpPr>
         <p:spPr>
           <a:xfrm flipH="1">
-            <a:off x="5029189" y="3137359"/>
+            <a:off x="5029189" y="2898430"/>
             <a:ext cx="1438236" cy="215444"/>
           </a:xfrm>
           <a:prstGeom prst="rect">
@@ -5129,7 +5129,7 @@
         </p:nvCxnSpPr>
         <p:spPr>
           <a:xfrm>
-            <a:off x="5005028" y="3722240"/>
+            <a:off x="5005028" y="3483311"/>
             <a:ext cx="2102511" cy="9217"/>
           </a:xfrm>
           <a:prstGeom prst="straightConnector1">
@@ -5173,7 +5173,7 @@
         </p:nvSpPr>
         <p:spPr>
           <a:xfrm flipH="1">
-            <a:off x="5510784" y="3505201"/>
+            <a:off x="5510784" y="3266272"/>
             <a:ext cx="356617" cy="215444"/>
           </a:xfrm>
           <a:prstGeom prst="rect">
@@ -5221,7 +5221,7 @@
         </p:nvCxnSpPr>
         <p:spPr>
           <a:xfrm>
-            <a:off x="3375182" y="3873057"/>
+            <a:off x="3375182" y="3634128"/>
             <a:ext cx="1418459" cy="2355"/>
           </a:xfrm>
           <a:prstGeom prst="straightConnector1">
@@ -5265,7 +5265,7 @@
         </p:nvSpPr>
         <p:spPr>
           <a:xfrm>
-            <a:off x="3970659" y="3657601"/>
+            <a:off x="3970659" y="3418672"/>
             <a:ext cx="220343" cy="215444"/>
           </a:xfrm>
           <a:prstGeom prst="rect">
@@ -5311,7 +5311,7 @@
         </p:nvSpPr>
         <p:spPr>
           <a:xfrm>
-            <a:off x="1523988" y="4191000"/>
+            <a:off x="1523988" y="3952071"/>
             <a:ext cx="6087024" cy="527064"/>
           </a:xfrm>
           <a:prstGeom prst="rect">
@@ -5373,7 +5373,7 @@
         </p:nvSpPr>
         <p:spPr>
           <a:xfrm rot="5400000">
-            <a:off x="1604031" y="4118655"/>
+            <a:off x="1604031" y="3879726"/>
             <a:ext cx="297116" cy="457199"/>
           </a:xfrm>
           <a:prstGeom prst="round1Rect">
@@ -5432,7 +5432,7 @@
         </p:nvSpPr>
         <p:spPr>
           <a:xfrm>
-            <a:off x="1524000" y="4249591"/>
+            <a:off x="1524000" y="4010662"/>
             <a:ext cx="350635" cy="246221"/>
           </a:xfrm>
           <a:prstGeom prst="rect">
@@ -5482,7 +5482,7 @@
         </p:nvSpPr>
         <p:spPr>
           <a:xfrm>
-            <a:off x="2057400" y="4249591"/>
+            <a:off x="2057400" y="4010662"/>
             <a:ext cx="2331835" cy="246221"/>
           </a:xfrm>
           <a:prstGeom prst="rect">
@@ -5533,8 +5533,8 @@
         </p:nvSpPr>
         <p:spPr>
           <a:xfrm>
-            <a:off x="1523988" y="5568944"/>
-            <a:ext cx="6087024" cy="4489467"/>
+            <a:off x="1523988" y="5330015"/>
+            <a:ext cx="6087024" cy="5175264"/>
           </a:xfrm>
           <a:prstGeom prst="rect">
             <a:avLst/>
@@ -5595,7 +5595,7 @@
         </p:nvSpPr>
         <p:spPr>
           <a:xfrm rot="5400000">
-            <a:off x="2708943" y="4391692"/>
+            <a:off x="2708943" y="4152763"/>
             <a:ext cx="297113" cy="2666999"/>
           </a:xfrm>
           <a:prstGeom prst="round1Rect">
@@ -5654,7 +5654,7 @@
         </p:nvSpPr>
         <p:spPr>
           <a:xfrm>
-            <a:off x="1600188" y="5627527"/>
+            <a:off x="1600188" y="5388598"/>
             <a:ext cx="2590800" cy="246221"/>
           </a:xfrm>
           <a:prstGeom prst="rect">
@@ -5713,7 +5713,7 @@
         </p:nvSpPr>
         <p:spPr>
           <a:xfrm>
-            <a:off x="1668571" y="5954147"/>
+            <a:off x="1668571" y="5715218"/>
             <a:ext cx="1455629" cy="346760"/>
           </a:xfrm>
           <a:prstGeom prst="rect">
@@ -5788,8 +5788,8 @@
         </p:nvCxnSpPr>
         <p:spPr>
           <a:xfrm>
-            <a:off x="2362188" y="6248400"/>
-            <a:ext cx="0" cy="3724232"/>
+            <a:off x="2362188" y="6009471"/>
+            <a:ext cx="0" cy="4332874"/>
           </a:xfrm>
           <a:prstGeom prst="line">
             <a:avLst/>
@@ -5831,7 +5831,7 @@
         </p:nvSpPr>
         <p:spPr>
           <a:xfrm>
-            <a:off x="3276589" y="5948839"/>
+            <a:off x="3276589" y="5709910"/>
             <a:ext cx="1057824" cy="461539"/>
           </a:xfrm>
           <a:prstGeom prst="rect">
@@ -5913,7 +5913,7 @@
         </p:nvCxnSpPr>
         <p:spPr>
           <a:xfrm flipV="1">
-            <a:off x="2350424" y="6704631"/>
+            <a:off x="2350424" y="6465702"/>
             <a:ext cx="1383377" cy="979"/>
           </a:xfrm>
           <a:prstGeom prst="straightConnector1">
@@ -5955,7 +5955,7 @@
         </p:nvSpPr>
         <p:spPr>
           <a:xfrm>
-            <a:off x="2536972" y="6477002"/>
+            <a:off x="2536972" y="6238073"/>
             <a:ext cx="981624" cy="215444"/>
           </a:xfrm>
           <a:prstGeom prst="rect">
@@ -6001,7 +6001,7 @@
         </p:nvSpPr>
         <p:spPr>
           <a:xfrm>
-            <a:off x="4876788" y="5948839"/>
+            <a:off x="4876788" y="5709910"/>
             <a:ext cx="1524000" cy="461539"/>
           </a:xfrm>
           <a:prstGeom prst="rect">
@@ -6074,7 +6074,7 @@
         </p:nvSpPr>
         <p:spPr>
           <a:xfrm>
-            <a:off x="5562600" y="6851667"/>
+            <a:off x="5562600" y="7295712"/>
             <a:ext cx="190499" cy="384980"/>
           </a:xfrm>
           <a:prstGeom prst="rect">
@@ -6129,7 +6129,7 @@
         </p:nvCxnSpPr>
         <p:spPr>
           <a:xfrm>
-            <a:off x="3810001" y="6851667"/>
+            <a:off x="3810001" y="7295712"/>
             <a:ext cx="1752599" cy="0"/>
           </a:xfrm>
           <a:prstGeom prst="straightConnector1">
@@ -6171,8 +6171,8 @@
         </p:nvSpPr>
         <p:spPr>
           <a:xfrm>
-            <a:off x="4047565" y="6400812"/>
-            <a:ext cx="981624" cy="430887"/>
+            <a:off x="3921393" y="7076281"/>
+            <a:ext cx="1793607" cy="215444"/>
           </a:xfrm>
           <a:prstGeom prst="rect">
             <a:avLst/>
@@ -6223,7 +6223,7 @@
         </p:nvCxnSpPr>
         <p:spPr>
           <a:xfrm>
-            <a:off x="3893147" y="7228681"/>
+            <a:off x="3893147" y="7672726"/>
             <a:ext cx="1669440" cy="0"/>
           </a:xfrm>
           <a:prstGeom prst="straightConnector1">
@@ -6267,7 +6267,7 @@
         </p:nvSpPr>
         <p:spPr>
           <a:xfrm>
-            <a:off x="4123418" y="8992083"/>
+            <a:off x="4123418" y="9436128"/>
             <a:ext cx="981970" cy="215444"/>
           </a:xfrm>
           <a:prstGeom prst="rect">
@@ -6313,7 +6313,7 @@
         </p:nvSpPr>
         <p:spPr>
           <a:xfrm>
-            <a:off x="2971788" y="7381081"/>
+            <a:off x="2971788" y="7825126"/>
             <a:ext cx="3343374" cy="2141285"/>
           </a:xfrm>
           <a:prstGeom prst="rect">
@@ -6375,7 +6375,7 @@
         </p:nvSpPr>
         <p:spPr>
           <a:xfrm rot="5400000">
-            <a:off x="3051830" y="7308727"/>
+            <a:off x="3051830" y="7752772"/>
             <a:ext cx="297116" cy="457198"/>
           </a:xfrm>
           <a:prstGeom prst="round1Rect">
@@ -6434,7 +6434,7 @@
         </p:nvSpPr>
         <p:spPr>
           <a:xfrm>
-            <a:off x="2971789" y="7439661"/>
+            <a:off x="2971789" y="7883706"/>
             <a:ext cx="350635" cy="246221"/>
           </a:xfrm>
           <a:prstGeom prst="rect">
@@ -6486,8 +6486,8 @@
         </p:nvCxnSpPr>
         <p:spPr>
           <a:xfrm>
-            <a:off x="5659728" y="6414436"/>
-            <a:ext cx="0" cy="3558209"/>
+            <a:off x="5659728" y="6175507"/>
+            <a:ext cx="0" cy="4166838"/>
           </a:xfrm>
           <a:prstGeom prst="line">
             <a:avLst/>
@@ -6529,7 +6529,7 @@
         </p:nvSpPr>
         <p:spPr>
           <a:xfrm>
-            <a:off x="3983328" y="7431549"/>
+            <a:off x="3983328" y="7875594"/>
             <a:ext cx="2331835" cy="246221"/>
           </a:xfrm>
           <a:prstGeom prst="rect">
@@ -6582,8 +6582,8 @@
         </p:nvCxnSpPr>
         <p:spPr>
           <a:xfrm>
-            <a:off x="3830928" y="6414436"/>
-            <a:ext cx="0" cy="3558209"/>
+            <a:off x="3830928" y="6175507"/>
+            <a:ext cx="1848" cy="4166838"/>
           </a:xfrm>
           <a:prstGeom prst="line">
             <a:avLst/>
@@ -6625,8 +6625,8 @@
         </p:nvSpPr>
         <p:spPr>
           <a:xfrm>
-            <a:off x="3733790" y="6683965"/>
-            <a:ext cx="174780" cy="3069647"/>
+            <a:off x="3733789" y="6445036"/>
+            <a:ext cx="197975" cy="3729135"/>
           </a:xfrm>
           <a:prstGeom prst="rect">
             <a:avLst/>
@@ -6680,7 +6680,7 @@
         </p:nvCxnSpPr>
         <p:spPr>
           <a:xfrm flipH="1">
-            <a:off x="2971788" y="8447882"/>
+            <a:off x="2971788" y="8891927"/>
             <a:ext cx="3343374" cy="17684"/>
           </a:xfrm>
           <a:prstGeom prst="line">
@@ -6725,7 +6725,7 @@
         </p:nvCxnSpPr>
         <p:spPr>
           <a:xfrm flipV="1">
-            <a:off x="3886189" y="8143082"/>
+            <a:off x="3886189" y="8587127"/>
             <a:ext cx="1676399" cy="1"/>
           </a:xfrm>
           <a:prstGeom prst="straightConnector1">
@@ -6767,7 +6767,7 @@
         </p:nvSpPr>
         <p:spPr>
           <a:xfrm>
-            <a:off x="4025208" y="7692216"/>
+            <a:off x="4025208" y="8136261"/>
             <a:ext cx="1604605" cy="430887"/>
           </a:xfrm>
           <a:prstGeom prst="rect">
@@ -6799,7 +6799,7 @@
             </a:r>
             <a:r>
               <a:rPr lang="en-US" dirty="0"/>
-              <a:t>(p)</a:t>
+              <a:t>(p1)</a:t>
             </a:r>
           </a:p>
         </p:txBody>
@@ -6818,7 +6818,7 @@
         </p:nvSpPr>
         <p:spPr>
           <a:xfrm>
-            <a:off x="5562588" y="8143082"/>
+            <a:off x="5562588" y="8587127"/>
             <a:ext cx="194280" cy="212621"/>
           </a:xfrm>
           <a:prstGeom prst="rect">
@@ -6871,7 +6871,7 @@
         </p:nvSpPr>
         <p:spPr>
           <a:xfrm>
-            <a:off x="3983328" y="8514328"/>
+            <a:off x="3983328" y="8958373"/>
             <a:ext cx="2331835" cy="246221"/>
           </a:xfrm>
           <a:prstGeom prst="rect">
@@ -6924,7 +6924,7 @@
         </p:nvCxnSpPr>
         <p:spPr>
           <a:xfrm flipV="1">
-            <a:off x="3886189" y="9225861"/>
+            <a:off x="3886189" y="9669906"/>
             <a:ext cx="1676399" cy="1"/>
           </a:xfrm>
           <a:prstGeom prst="straightConnector1">
@@ -6966,7 +6966,7 @@
         </p:nvSpPr>
         <p:spPr>
           <a:xfrm>
-            <a:off x="4025208" y="8774995"/>
+            <a:off x="4025208" y="9219040"/>
             <a:ext cx="1613581" cy="430887"/>
           </a:xfrm>
           <a:prstGeom prst="rect">
@@ -6998,15 +6998,7 @@
             </a:r>
             <a:r>
               <a:rPr lang="en-US" dirty="0"/>
-              <a:t>(</a:t>
-            </a:r>
-            <a:r>
-              <a:rPr lang="en-US" dirty="0" err="1"/>
-              <a:t>p.and</a:t>
-            </a:r>
-            <a:r>
-              <a:rPr lang="en-US" dirty="0"/>
-              <a:t>(p2))</a:t>
+              <a:t>(p1.and(p2))</a:t>
             </a:r>
           </a:p>
         </p:txBody>
@@ -7025,7 +7017,7 @@
         </p:nvSpPr>
         <p:spPr>
           <a:xfrm>
-            <a:off x="5562588" y="9225861"/>
+            <a:off x="5562588" y="9669906"/>
             <a:ext cx="194280" cy="212621"/>
           </a:xfrm>
           <a:prstGeom prst="rect">
@@ -7080,7 +7072,7 @@
         </p:nvCxnSpPr>
         <p:spPr>
           <a:xfrm flipV="1">
-            <a:off x="2362188" y="9743281"/>
+            <a:off x="2362188" y="10187326"/>
             <a:ext cx="1371600" cy="13155"/>
           </a:xfrm>
           <a:prstGeom prst="straightConnector1">
@@ -7124,7 +7116,7 @@
         </p:nvSpPr>
         <p:spPr>
           <a:xfrm>
-            <a:off x="2613938" y="9514682"/>
+            <a:off x="2613938" y="9958727"/>
             <a:ext cx="762000" cy="215444"/>
           </a:xfrm>
           <a:prstGeom prst="rect">
@@ -7152,6 +7144,289 @@
             <a:r>
               <a:rPr lang="en-US" dirty="0"/>
               <a:t>result</a:t>
+            </a:r>
+          </a:p>
+        </p:txBody>
+      </p:sp>
+      <p:sp>
+        <p:nvSpPr>
+          <p:cNvPr id="82" name="TextBox 81">
+            <a:extLst>
+              <a:ext uri="{FF2B5EF4-FFF2-40B4-BE49-F238E27FC236}">
+                <a16:creationId xmlns:a16="http://schemas.microsoft.com/office/drawing/2014/main" id="{302875FB-4965-49E6-AA94-FF28A5D1F402}"/>
+              </a:ext>
+            </a:extLst>
+          </p:cNvPr>
+          <p:cNvSpPr txBox="1"/>
+          <p:nvPr/>
+        </p:nvSpPr>
+        <p:spPr>
+          <a:xfrm>
+            <a:off x="3850374" y="7434526"/>
+            <a:ext cx="981624" cy="215444"/>
+          </a:xfrm>
+          <a:prstGeom prst="rect">
+            <a:avLst/>
+          </a:prstGeom>
+          <a:noFill/>
+        </p:spPr>
+        <p:txBody>
+          <a:bodyPr wrap="square" lIns="0" tIns="0" rIns="0" bIns="0" rtlCol="0">
+            <a:spAutoFit/>
+          </a:bodyPr>
+          <a:lstStyle>
+            <a:defPPr>
+              <a:defRPr lang="en-US"/>
+            </a:defPPr>
+            <a:lvl1pPr algn="r">
+              <a:defRPr sz="1400">
+                <a:solidFill>
+                  <a:srgbClr val="0070C0"/>
+                </a:solidFill>
+              </a:defRPr>
+            </a:lvl1pPr>
+          </a:lstStyle>
+          <a:p>
+            <a:r>
+              <a:rPr lang="en-US" dirty="0"/>
+              <a:t>p2</a:t>
+            </a:r>
+          </a:p>
+        </p:txBody>
+      </p:sp>
+      <p:cxnSp>
+        <p:nvCxnSpPr>
+          <p:cNvPr id="22" name="Connector: Curved 21">
+            <a:extLst>
+              <a:ext uri="{FF2B5EF4-FFF2-40B4-BE49-F238E27FC236}">
+                <a16:creationId xmlns:a16="http://schemas.microsoft.com/office/drawing/2014/main" id="{264B5546-FB34-4245-BED5-BB927D8E8936}"/>
+              </a:ext>
+            </a:extLst>
+          </p:cNvPr>
+          <p:cNvCxnSpPr>
+            <a:cxnSpLocks/>
+          </p:cNvCxnSpPr>
+          <p:nvPr/>
+        </p:nvCxnSpPr>
+        <p:spPr>
+          <a:xfrm>
+            <a:off x="3832776" y="6538353"/>
+            <a:ext cx="205812" cy="184525"/>
+          </a:xfrm>
+          <a:prstGeom prst="curvedConnector3">
+            <a:avLst>
+              <a:gd name="adj1" fmla="val 138858"/>
+            </a:avLst>
+          </a:prstGeom>
+          <a:ln w="12700">
+            <a:tailEnd type="triangle"/>
+          </a:ln>
+        </p:spPr>
+        <p:style>
+          <a:lnRef idx="1">
+            <a:schemeClr val="accent1"/>
+          </a:lnRef>
+          <a:fillRef idx="0">
+            <a:schemeClr val="accent1"/>
+          </a:fillRef>
+          <a:effectRef idx="0">
+            <a:schemeClr val="accent1"/>
+          </a:effectRef>
+          <a:fontRef idx="minor">
+            <a:schemeClr val="tx1"/>
+          </a:fontRef>
+        </p:style>
+      </p:cxnSp>
+      <p:sp>
+        <p:nvSpPr>
+          <p:cNvPr id="98" name="Rectangle 97">
+            <a:extLst>
+              <a:ext uri="{FF2B5EF4-FFF2-40B4-BE49-F238E27FC236}">
+                <a16:creationId xmlns:a16="http://schemas.microsoft.com/office/drawing/2014/main" id="{362C2457-4B2F-48CC-978C-93E2C285B061}"/>
+              </a:ext>
+            </a:extLst>
+          </p:cNvPr>
+          <p:cNvSpPr/>
+          <p:nvPr/>
+        </p:nvSpPr>
+        <p:spPr>
+          <a:xfrm>
+            <a:off x="3835548" y="6692767"/>
+            <a:ext cx="194280" cy="212621"/>
+          </a:xfrm>
+          <a:prstGeom prst="rect">
+            <a:avLst/>
+          </a:prstGeom>
+          <a:solidFill>
+            <a:srgbClr val="002060"/>
+          </a:solidFill>
+          <a:ln>
+            <a:solidFill>
+              <a:srgbClr val="002060"/>
+            </a:solidFill>
+          </a:ln>
+          <a:effectLst/>
+        </p:spPr>
+        <p:style>
+          <a:lnRef idx="1">
+            <a:schemeClr val="accent3"/>
+          </a:lnRef>
+          <a:fillRef idx="2">
+            <a:schemeClr val="accent3"/>
+          </a:fillRef>
+          <a:effectRef idx="1">
+            <a:schemeClr val="accent3"/>
+          </a:effectRef>
+          <a:fontRef idx="minor">
+            <a:schemeClr val="dk1"/>
+          </a:fontRef>
+        </p:style>
+        <p:txBody>
+          <a:bodyPr rtlCol="0" anchor="ctr"/>
+          <a:lstStyle/>
+          <a:p>
+            <a:pPr algn="ctr"/>
+            <a:endParaRPr lang="en-SG" sz="1400"/>
+          </a:p>
+        </p:txBody>
+      </p:sp>
+      <p:sp>
+        <p:nvSpPr>
+          <p:cNvPr id="99" name="TextBox 98">
+            <a:extLst>
+              <a:ext uri="{FF2B5EF4-FFF2-40B4-BE49-F238E27FC236}">
+                <a16:creationId xmlns:a16="http://schemas.microsoft.com/office/drawing/2014/main" id="{D73F9B18-17D7-4B58-BB05-697F4648ADC0}"/>
+              </a:ext>
+            </a:extLst>
+          </p:cNvPr>
+          <p:cNvSpPr txBox="1"/>
+          <p:nvPr/>
+        </p:nvSpPr>
+        <p:spPr>
+          <a:xfrm>
+            <a:off x="4010454" y="6355334"/>
+            <a:ext cx="1489665" cy="215444"/>
+          </a:xfrm>
+          <a:prstGeom prst="rect">
+            <a:avLst/>
+          </a:prstGeom>
+          <a:noFill/>
+        </p:spPr>
+        <p:txBody>
+          <a:bodyPr wrap="square" lIns="0" tIns="0" rIns="0" bIns="0" rtlCol="0">
+            <a:spAutoFit/>
+          </a:bodyPr>
+          <a:lstStyle>
+            <a:defPPr>
+              <a:defRPr lang="en-US"/>
+            </a:defPPr>
+            <a:lvl1pPr algn="r">
+              <a:defRPr sz="1400">
+                <a:solidFill>
+                  <a:srgbClr val="0070C0"/>
+                </a:solidFill>
+              </a:defRPr>
+            </a:lvl1pPr>
+          </a:lstStyle>
+          <a:p>
+            <a:r>
+              <a:rPr lang="en-US" dirty="0" err="1"/>
+              <a:t>combinePredicates</a:t>
+            </a:r>
+            <a:r>
+              <a:rPr lang="en-US" dirty="0"/>
+              <a:t>()</a:t>
+            </a:r>
+          </a:p>
+        </p:txBody>
+      </p:sp>
+      <p:cxnSp>
+        <p:nvCxnSpPr>
+          <p:cNvPr id="103" name="Connector: Curved 102">
+            <a:extLst>
+              <a:ext uri="{FF2B5EF4-FFF2-40B4-BE49-F238E27FC236}">
+                <a16:creationId xmlns:a16="http://schemas.microsoft.com/office/drawing/2014/main" id="{AB126A0E-E010-445B-9156-33DF65B3D6D9}"/>
+              </a:ext>
+            </a:extLst>
+          </p:cNvPr>
+          <p:cNvCxnSpPr>
+            <a:cxnSpLocks/>
+          </p:cNvCxnSpPr>
+          <p:nvPr/>
+        </p:nvCxnSpPr>
+        <p:spPr>
+          <a:xfrm rot="5400000">
+            <a:off x="3881689" y="6938122"/>
+            <a:ext cx="215446" cy="122712"/>
+          </a:xfrm>
+          <a:prstGeom prst="curvedConnector3">
+            <a:avLst>
+              <a:gd name="adj1" fmla="val 86906"/>
+            </a:avLst>
+          </a:prstGeom>
+          <a:ln w="12700">
+            <a:prstDash val="sysDash"/>
+            <a:tailEnd type="triangle"/>
+          </a:ln>
+        </p:spPr>
+        <p:style>
+          <a:lnRef idx="1">
+            <a:schemeClr val="accent1"/>
+          </a:lnRef>
+          <a:fillRef idx="0">
+            <a:schemeClr val="accent1"/>
+          </a:fillRef>
+          <a:effectRef idx="0">
+            <a:schemeClr val="accent1"/>
+          </a:effectRef>
+          <a:fontRef idx="minor">
+            <a:schemeClr val="tx1"/>
+          </a:fontRef>
+        </p:style>
+      </p:cxnSp>
+      <p:sp>
+        <p:nvSpPr>
+          <p:cNvPr id="110" name="TextBox 109">
+            <a:extLst>
+              <a:ext uri="{FF2B5EF4-FFF2-40B4-BE49-F238E27FC236}">
+                <a16:creationId xmlns:a16="http://schemas.microsoft.com/office/drawing/2014/main" id="{F3EDFC55-4884-4282-9316-401364BCD5E4}"/>
+              </a:ext>
+            </a:extLst>
+          </p:cNvPr>
+          <p:cNvSpPr txBox="1"/>
+          <p:nvPr/>
+        </p:nvSpPr>
+        <p:spPr>
+          <a:xfrm>
+            <a:off x="4072935" y="6860837"/>
+            <a:ext cx="1489665" cy="215444"/>
+          </a:xfrm>
+          <a:prstGeom prst="rect">
+            <a:avLst/>
+          </a:prstGeom>
+          <a:noFill/>
+        </p:spPr>
+        <p:txBody>
+          <a:bodyPr wrap="square" lIns="0" tIns="0" rIns="0" bIns="0" rtlCol="0">
+            <a:spAutoFit/>
+          </a:bodyPr>
+          <a:lstStyle>
+            <a:defPPr>
+              <a:defRPr lang="en-US"/>
+            </a:defPPr>
+            <a:lvl1pPr algn="r">
+              <a:defRPr sz="1400">
+                <a:solidFill>
+                  <a:srgbClr val="0070C0"/>
+                </a:solidFill>
+              </a:defRPr>
+            </a:lvl1pPr>
+          </a:lstStyle>
+          <a:p>
+            <a:pPr algn="l"/>
+            <a:r>
+              <a:rPr lang="en-US" dirty="0"/>
+              <a:t>p1</a:t>
             </a:r>
           </a:p>
         </p:txBody>
